--- a/Document/React Presentation.pptx
+++ b/Document/React Presentation.pptx
@@ -251,7 +251,7 @@
           <a:p>
             <a:fld id="{65593617-3995-4B7F-9605-2BBDB1EC45ED}" type="datetimeFigureOut">
               <a:rPr lang="en-US" smtClean="0"/>
-              <a:t>4/20/2016</a:t>
+              <a:t>4/21/2016</a:t>
             </a:fld>
             <a:endParaRPr lang="en-US"/>
           </a:p>
@@ -2486,7 +2486,7 @@
             </a:r>
             <a:r>
               <a:rPr lang="en-US" baseline="0" dirty="0" err="1" smtClean="0"/>
-              <a:t>ngôn</a:t>
+              <a:t>javascript</a:t>
             </a:r>
             <a:r>
               <a:rPr lang="en-US" baseline="0" dirty="0" smtClean="0"/>
@@ -2494,20 +2494,11 @@
             </a:r>
             <a:r>
               <a:rPr lang="en-US" baseline="0" dirty="0" err="1" smtClean="0"/>
-              <a:t>ngữ</a:t>
-            </a:r>
-            <a:r>
-              <a:rPr lang="en-US" baseline="0" dirty="0" smtClean="0"/>
-              <a:t> </a:t>
-            </a:r>
-            <a:r>
-              <a:rPr lang="en-US" baseline="0" dirty="0" err="1" smtClean="0"/>
-              <a:t>javascript</a:t>
-            </a:r>
-            <a:r>
-              <a:rPr lang="en-US" baseline="0" dirty="0" smtClean="0"/>
-              <a:t> </a:t>
-            </a:r>
+              <a:t>thuần</a:t>
+            </a:r>
+            <a:endParaRPr lang="en-US" baseline="0" dirty="0" smtClean="0"/>
+          </a:p>
+          <a:p>
             <a:endParaRPr lang="en-US" dirty="0"/>
           </a:p>
         </p:txBody>
@@ -2784,114 +2775,6 @@
           <a:bodyPr/>
           <a:lstStyle/>
           <a:p>
-            <a:r>
-              <a:rPr lang="en-US" dirty="0" smtClean="0"/>
-              <a:t>Html</a:t>
-            </a:r>
-            <a:r>
-              <a:rPr lang="en-US" baseline="0" dirty="0" smtClean="0"/>
-              <a:t> tag </a:t>
-            </a:r>
-            <a:r>
-              <a:rPr lang="en-US" baseline="0" dirty="0" err="1" smtClean="0"/>
-              <a:t>và</a:t>
-            </a:r>
-            <a:r>
-              <a:rPr lang="en-US" baseline="0" dirty="0" smtClean="0"/>
-              <a:t> React Component </a:t>
-            </a:r>
-            <a:r>
-              <a:rPr lang="en-US" baseline="0" dirty="0" err="1" smtClean="0"/>
-              <a:t>được</a:t>
-            </a:r>
-            <a:r>
-              <a:rPr lang="en-US" baseline="0" dirty="0" smtClean="0"/>
-              <a:t> </a:t>
-            </a:r>
-            <a:r>
-              <a:rPr lang="en-US" baseline="0" dirty="0" err="1" smtClean="0"/>
-              <a:t>phân</a:t>
-            </a:r>
-            <a:r>
-              <a:rPr lang="en-US" baseline="0" dirty="0" smtClean="0"/>
-              <a:t> </a:t>
-            </a:r>
-            <a:r>
-              <a:rPr lang="en-US" baseline="0" dirty="0" err="1" smtClean="0"/>
-              <a:t>biệt</a:t>
-            </a:r>
-            <a:r>
-              <a:rPr lang="en-US" baseline="0" dirty="0" smtClean="0"/>
-              <a:t> </a:t>
-            </a:r>
-            <a:r>
-              <a:rPr lang="en-US" baseline="0" dirty="0" err="1" smtClean="0"/>
-              <a:t>dự</a:t>
-            </a:r>
-            <a:r>
-              <a:rPr lang="en-US" baseline="0" dirty="0" smtClean="0"/>
-              <a:t> </a:t>
-            </a:r>
-            <a:r>
-              <a:rPr lang="en-US" baseline="0" dirty="0" err="1" smtClean="0"/>
-              <a:t>vào</a:t>
-            </a:r>
-            <a:r>
-              <a:rPr lang="en-US" baseline="0" dirty="0" smtClean="0"/>
-              <a:t> </a:t>
-            </a:r>
-            <a:r>
-              <a:rPr lang="en-US" baseline="0" dirty="0" err="1" smtClean="0"/>
-              <a:t>ký</a:t>
-            </a:r>
-            <a:r>
-              <a:rPr lang="en-US" baseline="0" dirty="0" smtClean="0"/>
-              <a:t> </a:t>
-            </a:r>
-            <a:r>
-              <a:rPr lang="en-US" baseline="0" dirty="0" err="1" smtClean="0"/>
-              <a:t>tự</a:t>
-            </a:r>
-            <a:r>
-              <a:rPr lang="en-US" baseline="0" dirty="0" smtClean="0"/>
-              <a:t> </a:t>
-            </a:r>
-            <a:r>
-              <a:rPr lang="en-US" baseline="0" dirty="0" err="1" smtClean="0"/>
-              <a:t>đầu</a:t>
-            </a:r>
-            <a:r>
-              <a:rPr lang="en-US" baseline="0" dirty="0" smtClean="0"/>
-              <a:t> </a:t>
-            </a:r>
-            <a:r>
-              <a:rPr lang="en-US" baseline="0" dirty="0" err="1" smtClean="0"/>
-              <a:t>tiên</a:t>
-            </a:r>
-            <a:r>
-              <a:rPr lang="en-US" baseline="0" dirty="0" smtClean="0"/>
-              <a:t> </a:t>
-            </a:r>
-            <a:r>
-              <a:rPr lang="en-US" baseline="0" dirty="0" err="1" smtClean="0"/>
-              <a:t>của</a:t>
-            </a:r>
-            <a:r>
-              <a:rPr lang="en-US" baseline="0" dirty="0" smtClean="0"/>
-              <a:t> </a:t>
-            </a:r>
-            <a:r>
-              <a:rPr lang="en-US" baseline="0" dirty="0" err="1" smtClean="0"/>
-              <a:t>thẻ</a:t>
-            </a:r>
-            <a:r>
-              <a:rPr lang="en-US" baseline="0" dirty="0" smtClean="0"/>
-              <a:t> </a:t>
-            </a:r>
-            <a:r>
-              <a:rPr lang="en-US" baseline="0" dirty="0" err="1" smtClean="0"/>
-              <a:t>Jsx</a:t>
-            </a:r>
             <a:endParaRPr lang="en-US" dirty="0"/>
           </a:p>
         </p:txBody>
@@ -2977,12 +2860,36 @@
           <a:lstStyle/>
           <a:p>
             <a:r>
-              <a:rPr lang="en-US" dirty="0" smtClean="0"/>
-              <a:t>Html</a:t>
+              <a:rPr lang="en-US" baseline="0" dirty="0" err="1" smtClean="0"/>
+              <a:t>Để</a:t>
             </a:r>
             <a:r>
               <a:rPr lang="en-US" baseline="0" dirty="0" smtClean="0"/>
-              <a:t> tag </a:t>
+              <a:t> </a:t>
+            </a:r>
+            <a:r>
+              <a:rPr lang="en-US" baseline="0" dirty="0" err="1" smtClean="0"/>
+              <a:t>mã</a:t>
+            </a:r>
+            <a:r>
+              <a:rPr lang="en-US" baseline="0" dirty="0" smtClean="0"/>
+              <a:t> </a:t>
+            </a:r>
+            <a:r>
+              <a:rPr lang="en-US" baseline="0" dirty="0" err="1" smtClean="0"/>
+              <a:t>nguồn</a:t>
+            </a:r>
+            <a:r>
+              <a:rPr lang="en-US" baseline="0" dirty="0" smtClean="0"/>
+              <a:t> </a:t>
+            </a:r>
+            <a:r>
+              <a:rPr lang="en-US" baseline="0" dirty="0" err="1" smtClean="0"/>
+              <a:t>rỏ</a:t>
+            </a:r>
+            <a:r>
+              <a:rPr lang="en-US" baseline="0" dirty="0" smtClean="0"/>
+              <a:t> rang </a:t>
             </a:r>
             <a:r>
               <a:rPr lang="en-US" baseline="0" dirty="0" err="1" smtClean="0"/>
@@ -2990,11 +2897,11 @@
             </a:r>
             <a:r>
               <a:rPr lang="en-US" baseline="0" dirty="0" smtClean="0"/>
-              <a:t> React Component </a:t>
+              <a:t> </a:t>
             </a:r>
             <a:r>
               <a:rPr lang="en-US" baseline="0" dirty="0" err="1" smtClean="0"/>
-              <a:t>được</a:t>
+              <a:t>thẩm</a:t>
             </a:r>
             <a:r>
               <a:rPr lang="en-US" baseline="0" dirty="0" smtClean="0"/>
@@ -3002,7 +2909,7 @@
             </a:r>
             <a:r>
               <a:rPr lang="en-US" baseline="0" dirty="0" err="1" smtClean="0"/>
-              <a:t>phân</a:t>
+              <a:t>mỹ</a:t>
             </a:r>
             <a:r>
               <a:rPr lang="en-US" baseline="0" dirty="0" smtClean="0"/>
@@ -3010,15 +2917,15 @@
             </a:r>
             <a:r>
               <a:rPr lang="en-US" baseline="0" dirty="0" err="1" smtClean="0"/>
-              <a:t>biệt</a:t>
+              <a:t>hơn</a:t>
             </a:r>
             <a:r>
               <a:rPr lang="en-US" baseline="0" dirty="0" smtClean="0"/>
-              <a:t> </a:t>
+              <a:t> ta </a:t>
             </a:r>
             <a:r>
               <a:rPr lang="en-US" baseline="0" dirty="0" err="1" smtClean="0"/>
-              <a:t>dự</a:t>
+              <a:t>có</a:t>
             </a:r>
             <a:r>
               <a:rPr lang="en-US" baseline="0" dirty="0" smtClean="0"/>
@@ -3026,7 +2933,7 @@
             </a:r>
             <a:r>
               <a:rPr lang="en-US" baseline="0" dirty="0" err="1" smtClean="0"/>
-              <a:t>vào</a:t>
+              <a:t>thể</a:t>
             </a:r>
             <a:r>
               <a:rPr lang="en-US" baseline="0" dirty="0" smtClean="0"/>
@@ -3034,7 +2941,7 @@
             </a:r>
             <a:r>
               <a:rPr lang="en-US" baseline="0" dirty="0" err="1" smtClean="0"/>
-              <a:t>ký</a:t>
+              <a:t>tạo</a:t>
             </a:r>
             <a:r>
               <a:rPr lang="en-US" baseline="0" dirty="0" smtClean="0"/>
@@ -3042,7 +2949,7 @@
             </a:r>
             <a:r>
               <a:rPr lang="en-US" baseline="0" dirty="0" err="1" smtClean="0"/>
-              <a:t>tự</a:t>
+              <a:t>và</a:t>
             </a:r>
             <a:r>
               <a:rPr lang="en-US" baseline="0" dirty="0" smtClean="0"/>
@@ -3050,7 +2957,7 @@
             </a:r>
             <a:r>
               <a:rPr lang="en-US" baseline="0" dirty="0" err="1" smtClean="0"/>
-              <a:t>đầu</a:t>
+              <a:t>chyaj</a:t>
             </a:r>
             <a:r>
               <a:rPr lang="en-US" baseline="0" dirty="0" smtClean="0"/>
@@ -3058,7 +2965,7 @@
             </a:r>
             <a:r>
               <a:rPr lang="en-US" baseline="0" dirty="0" err="1" smtClean="0"/>
-              <a:t>tiên</a:t>
+              <a:t>hàm</a:t>
             </a:r>
             <a:r>
               <a:rPr lang="en-US" baseline="0" dirty="0" smtClean="0"/>
@@ -3066,7 +2973,7 @@
             </a:r>
             <a:r>
               <a:rPr lang="en-US" baseline="0" dirty="0" err="1" smtClean="0"/>
-              <a:t>của</a:t>
+              <a:t>ngay</a:t>
             </a:r>
             <a:r>
               <a:rPr lang="en-US" baseline="0" dirty="0" smtClean="0"/>
@@ -3074,7 +2981,7 @@
             </a:r>
             <a:r>
               <a:rPr lang="en-US" baseline="0" dirty="0" err="1" smtClean="0"/>
-              <a:t>thẻ</a:t>
+              <a:t>trong</a:t>
             </a:r>
             <a:r>
               <a:rPr lang="en-US" baseline="0" dirty="0" smtClean="0"/>
@@ -3082,8 +2989,94 @@
             </a:r>
             <a:r>
               <a:rPr lang="en-US" baseline="0" dirty="0" err="1" smtClean="0"/>
-              <a:t>Jsx</a:t>
-            </a:r>
+              <a:t>jsx</a:t>
+            </a:r>
+            <a:r>
+              <a:rPr lang="en-US" baseline="0" dirty="0" smtClean="0"/>
+              <a:t> </a:t>
+            </a:r>
+            <a:r>
+              <a:rPr lang="en-US" baseline="0" dirty="0" err="1" smtClean="0"/>
+              <a:t>để</a:t>
+            </a:r>
+            <a:r>
+              <a:rPr lang="en-US" baseline="0" dirty="0" smtClean="0"/>
+              <a:t> </a:t>
+            </a:r>
+            <a:r>
+              <a:rPr lang="en-US" baseline="0" dirty="0" err="1" smtClean="0"/>
+              <a:t>sự</a:t>
+            </a:r>
+            <a:r>
+              <a:rPr lang="en-US" baseline="0" dirty="0" smtClean="0"/>
+              <a:t> </a:t>
+            </a:r>
+            <a:r>
+              <a:rPr lang="en-US" baseline="0" dirty="0" err="1" smtClean="0"/>
+              <a:t>dụng</a:t>
+            </a:r>
+            <a:r>
+              <a:rPr lang="en-US" baseline="0" dirty="0" smtClean="0"/>
+              <a:t> </a:t>
+            </a:r>
+            <a:r>
+              <a:rPr lang="en-US" baseline="0" dirty="0" err="1" smtClean="0"/>
+              <a:t>javascript</a:t>
+            </a:r>
+            <a:r>
+              <a:rPr lang="en-US" baseline="0" dirty="0" smtClean="0"/>
+              <a:t> </a:t>
+            </a:r>
+            <a:r>
+              <a:rPr lang="en-US" baseline="0" dirty="0" err="1" smtClean="0"/>
+              <a:t>tính</a:t>
+            </a:r>
+            <a:r>
+              <a:rPr lang="en-US" baseline="0" dirty="0" smtClean="0"/>
+              <a:t> </a:t>
+            </a:r>
+            <a:r>
+              <a:rPr lang="en-US" baseline="0" dirty="0" err="1" smtClean="0"/>
+              <a:t>toán</a:t>
+            </a:r>
+            <a:r>
+              <a:rPr lang="en-US" baseline="0" dirty="0" smtClean="0"/>
+              <a:t> </a:t>
+            </a:r>
+            <a:r>
+              <a:rPr lang="en-US" baseline="0" dirty="0" err="1" smtClean="0"/>
+              <a:t>và</a:t>
+            </a:r>
+            <a:r>
+              <a:rPr lang="en-US" baseline="0" dirty="0" smtClean="0"/>
+              <a:t> </a:t>
+            </a:r>
+            <a:r>
+              <a:rPr lang="en-US" baseline="0" dirty="0" err="1" smtClean="0"/>
+              <a:t>trả</a:t>
+            </a:r>
+            <a:r>
+              <a:rPr lang="en-US" baseline="0" dirty="0" smtClean="0"/>
+              <a:t> </a:t>
+            </a:r>
+            <a:r>
+              <a:rPr lang="en-US" baseline="0" dirty="0" err="1" smtClean="0"/>
+              <a:t>về</a:t>
+            </a:r>
+            <a:r>
+              <a:rPr lang="en-US" baseline="0" dirty="0" smtClean="0"/>
+              <a:t> </a:t>
+            </a:r>
+            <a:r>
+              <a:rPr lang="en-US" baseline="0" dirty="0" err="1" smtClean="0"/>
+              <a:t>những</a:t>
+            </a:r>
+            <a:r>
+              <a:rPr lang="en-US" baseline="0" dirty="0" smtClean="0"/>
+              <a:t> element</a:t>
+            </a:r>
+          </a:p>
+          <a:p>
             <a:endParaRPr lang="en-US" dirty="0"/>
           </a:p>
         </p:txBody>
@@ -3492,7 +3485,7 @@
             <a:fld id="{4AAD347D-5ACD-4C99-B74B-A9C85AD731AF}" type="datetimeFigureOut">
               <a:rPr lang="en-US" smtClean="0"/>
               <a:pPr/>
-              <a:t>4/20/2016</a:t>
+              <a:t>4/21/2016</a:t>
             </a:fld>
             <a:endParaRPr lang="en-US" dirty="0"/>
           </a:p>
@@ -3615,7 +3608,7 @@
   <p:extLst mod="1">
     <p:ext uri="{DCECCB84-F9BA-43D5-87BE-67443E8EF086}">
       <p15:sldGuideLst xmlns:p15="http://schemas.microsoft.com/office/powerpoint/2012/main">
-        <p15:guide id="4294967295" orient="horz" pos="792">
+        <p15:guide id="1" orient="horz" pos="792">
           <p15:clr>
             <a:srgbClr val="FBAE40"/>
           </p15:clr>
@@ -3741,7 +3734,7 @@
             <a:fld id="{4509A250-FF31-4206-8172-F9D3106AACB1}" type="datetimeFigureOut">
               <a:rPr lang="en-US" smtClean="0"/>
               <a:pPr/>
-              <a:t>4/20/2016</a:t>
+              <a:t>4/21/2016</a:t>
             </a:fld>
             <a:endParaRPr lang="en-US" dirty="0"/>
           </a:p>
@@ -4129,7 +4122,7 @@
             <a:fld id="{4509A250-FF31-4206-8172-F9D3106AACB1}" type="datetimeFigureOut">
               <a:rPr lang="en-US" smtClean="0"/>
               <a:pPr/>
-              <a:t>4/20/2016</a:t>
+              <a:t>4/21/2016</a:t>
             </a:fld>
             <a:endParaRPr lang="en-US" dirty="0"/>
           </a:p>
@@ -4239,7 +4232,7 @@
   <p:extLst mod="1">
     <p:ext uri="{DCECCB84-F9BA-43D5-87BE-67443E8EF086}">
       <p15:sldGuideLst xmlns:p15="http://schemas.microsoft.com/office/powerpoint/2012/main">
-        <p15:guide id="4294967295" pos="6456">
+        <p15:guide id="1" pos="6456">
           <p15:clr>
             <a:srgbClr val="FBAE40"/>
           </p15:clr>
@@ -4360,7 +4353,7 @@
             <a:fld id="{4509A250-FF31-4206-8172-F9D3106AACB1}" type="datetimeFigureOut">
               <a:rPr lang="en-US" smtClean="0"/>
               <a:pPr/>
-              <a:t>4/20/2016</a:t>
+              <a:t>4/21/2016</a:t>
             </a:fld>
             <a:endParaRPr lang="en-US" dirty="0"/>
           </a:p>
@@ -4853,7 +4846,7 @@
             <a:fld id="{9796027F-7875-4030-9381-8BD8C4F21935}" type="datetimeFigureOut">
               <a:rPr lang="en-US" smtClean="0"/>
               <a:pPr/>
-              <a:t>4/20/2016</a:t>
+              <a:t>4/21/2016</a:t>
             </a:fld>
             <a:endParaRPr lang="en-US" dirty="0"/>
           </a:p>
@@ -4982,7 +4975,7 @@
   <p:extLst mod="1">
     <p:ext uri="{DCECCB84-F9BA-43D5-87BE-67443E8EF086}">
       <p15:sldGuideLst xmlns:p15="http://schemas.microsoft.com/office/powerpoint/2012/main">
-        <p15:guide id="4294967295" pos="6456">
+        <p15:guide id="1" pos="6456">
           <p15:clr>
             <a:srgbClr val="FBAE40"/>
           </p15:clr>
@@ -5165,7 +5158,7 @@
             <a:fld id="{9796027F-7875-4030-9381-8BD8C4F21935}" type="datetimeFigureOut">
               <a:rPr lang="en-US" smtClean="0"/>
               <a:pPr/>
-              <a:t>4/20/2016</a:t>
+              <a:t>4/21/2016</a:t>
             </a:fld>
             <a:endParaRPr lang="en-US" dirty="0"/>
           </a:p>
@@ -5558,7 +5551,7 @@
             <a:fld id="{9796027F-7875-4030-9381-8BD8C4F21935}" type="datetimeFigureOut">
               <a:rPr lang="en-US" smtClean="0"/>
               <a:pPr/>
-              <a:t>4/20/2016</a:t>
+              <a:t>4/21/2016</a:t>
             </a:fld>
             <a:endParaRPr lang="en-US" dirty="0"/>
           </a:p>
@@ -5678,7 +5671,7 @@
             <a:fld id="{4509A250-FF31-4206-8172-F9D3106AACB1}" type="datetimeFigureOut">
               <a:rPr lang="en-US" smtClean="0"/>
               <a:pPr/>
-              <a:t>4/20/2016</a:t>
+              <a:t>4/21/2016</a:t>
             </a:fld>
             <a:endParaRPr lang="en-US" dirty="0"/>
           </a:p>
@@ -5775,7 +5768,7 @@
             <a:fld id="{4509A250-FF31-4206-8172-F9D3106AACB1}" type="datetimeFigureOut">
               <a:rPr lang="en-US" smtClean="0"/>
               <a:pPr/>
-              <a:t>4/20/2016</a:t>
+              <a:t>4/21/2016</a:t>
             </a:fld>
             <a:endParaRPr lang="en-US" dirty="0"/>
           </a:p>
@@ -6077,7 +6070,7 @@
             <a:fld id="{4509A250-FF31-4206-8172-F9D3106AACB1}" type="datetimeFigureOut">
               <a:rPr lang="en-US" smtClean="0"/>
               <a:pPr/>
-              <a:t>4/20/2016</a:t>
+              <a:t>4/21/2016</a:t>
             </a:fld>
             <a:endParaRPr lang="en-US" dirty="0"/>
           </a:p>
@@ -6344,7 +6337,7 @@
             <a:fld id="{4509A250-FF31-4206-8172-F9D3106AACB1}" type="datetimeFigureOut">
               <a:rPr lang="en-US" smtClean="0"/>
               <a:pPr/>
-              <a:t>4/20/2016</a:t>
+              <a:t>4/21/2016</a:t>
             </a:fld>
             <a:endParaRPr lang="en-US" dirty="0"/>
           </a:p>
@@ -6764,7 +6757,7 @@
             <a:fld id="{4AAD347D-5ACD-4C99-B74B-A9C85AD731AF}" type="datetimeFigureOut">
               <a:rPr lang="en-US" smtClean="0"/>
               <a:pPr/>
-              <a:t>4/20/2016</a:t>
+              <a:t>4/21/2016</a:t>
             </a:fld>
             <a:endParaRPr lang="en-US" dirty="0"/>
           </a:p>
@@ -7223,27 +7216,27 @@
   <p:extLst mod="1">
     <p:ext uri="{27BBF7A9-308A-43DC-89C8-2F10F3537804}">
       <p15:sldGuideLst xmlns:p15="http://schemas.microsoft.com/office/powerpoint/2012/main">
-        <p15:guide id="4294967295" pos="2832">
+        <p15:guide id="1" pos="2832">
           <p15:clr>
             <a:srgbClr val="F26B43"/>
           </p15:clr>
         </p15:guide>
-        <p15:guide id="4294967295" pos="480">
+        <p15:guide id="2" pos="480">
           <p15:clr>
             <a:srgbClr val="F26B43"/>
           </p15:clr>
         </p15:guide>
-        <p15:guide id="4294967295" orient="horz" pos="432">
+        <p15:guide id="3" orient="horz" pos="432">
           <p15:clr>
             <a:srgbClr val="F26B43"/>
           </p15:clr>
         </p15:guide>
-        <p15:guide id="4294967295" pos="7200">
+        <p15:guide id="4" pos="7200">
           <p15:clr>
             <a:srgbClr val="F26B43"/>
           </p15:clr>
         </p15:guide>
-        <p15:guide id="4294967295" pos="3264">
+        <p15:guide id="5" pos="3264">
           <p15:clr>
             <a:srgbClr val="F26B43"/>
           </p15:clr>
@@ -11016,7 +11009,6 @@
               <a:rPr lang="en-US" dirty="0"/>
               <a:t>es2015</a:t>
             </a:r>
-            <a:endParaRPr lang="en-US" dirty="0"/>
           </a:p>
         </p:txBody>
       </p:sp>
@@ -11058,7 +11050,6 @@
               <a:rPr lang="en-US" dirty="0"/>
               <a:t> color="blue" /&gt;;</a:t>
             </a:r>
-            <a:endParaRPr lang="en-US" dirty="0"/>
           </a:p>
         </p:txBody>
       </p:sp>
@@ -11116,7 +11107,6 @@
               <a:rPr lang="en-US" dirty="0"/>
               <a:t>"});</a:t>
             </a:r>
-            <a:endParaRPr lang="en-US" dirty="0"/>
           </a:p>
         </p:txBody>
       </p:sp>
@@ -11699,7 +11689,6 @@
               <a:rPr lang="en-US" dirty="0"/>
               <a:t>Form&gt; );</a:t>
             </a:r>
-            <a:endParaRPr lang="en-US" dirty="0"/>
           </a:p>
         </p:txBody>
       </p:sp>
@@ -11812,7 +11801,6 @@
               <a:rPr lang="en-US" dirty="0"/>
               <a:t>, null) ) ) );</a:t>
             </a:r>
-            <a:endParaRPr lang="en-US" dirty="0"/>
           </a:p>
         </p:txBody>
       </p:sp>
@@ -17815,9 +17803,6 @@
               </a:rPr>
               <a:t>tags (Wikipedia).</a:t>
             </a:r>
-            <a:endParaRPr lang="en-US" sz="2400" dirty="0" smtClean="0">
-              <a:latin typeface="Century Gothic (Headings)"/>
-            </a:endParaRPr>
           </a:p>
         </p:txBody>
       </p:sp>
@@ -21844,15 +21829,7 @@
           <a:p>
             <a:r>
               <a:rPr lang="en-US" dirty="0" smtClean="0"/>
-              <a:t>Why </a:t>
-            </a:r>
-            <a:r>
-              <a:rPr lang="en-US" dirty="0" smtClean="0"/>
-              <a:t>React</a:t>
-            </a:r>
-            <a:r>
-              <a:rPr lang="en-US" dirty="0" smtClean="0"/>
-              <a:t>?</a:t>
+              <a:t>Why React?</a:t>
             </a:r>
             <a:endParaRPr lang="en-US" dirty="0"/>
           </a:p>
@@ -23595,11 +23572,7 @@
             </a:r>
             <a:r>
               <a:rPr lang="en-US" dirty="0" smtClean="0"/>
-              <a:t>React.js</a:t>
-            </a:r>
-            <a:r>
-              <a:rPr lang="en-US" dirty="0" smtClean="0"/>
-              <a:t>?</a:t>
+              <a:t>React.js?</a:t>
             </a:r>
             <a:endParaRPr lang="en-US" dirty="0"/>
           </a:p>
@@ -24937,13 +24910,6 @@
               </a:rPr>
               <a:t>”:”^0.12.1”		</a:t>
             </a:r>
-            <a:endParaRPr lang="en-US" sz="1600" dirty="0">
-              <a:solidFill>
-                <a:srgbClr val="3366CC"/>
-              </a:solidFill>
-              <a:latin typeface="Courier New" panose="02070309020205020404" pitchFamily="49" charset="0"/>
-              <a:cs typeface="Courier New" panose="02070309020205020404" pitchFamily="49" charset="0"/>
-            </a:endParaRPr>
           </a:p>
           <a:p>
             <a:pPr defTabSz="914400" eaLnBrk="0" fontAlgn="base" hangingPunct="0">
